--- a/Energy_forecasters_project_proposal.pptx
+++ b/Energy_forecasters_project_proposal.pptx
@@ -113,6 +113,35 @@
 </p:presentation>
 </file>
 
+<file path=ppt/changesInfos/changesInfo1.xml><?xml version="1.0" encoding="utf-8"?>
+<pc:chgInfo xmlns:a="http://schemas.openxmlformats.org/drawingml/2006/main" xmlns:r="http://schemas.openxmlformats.org/officeDocument/2006/relationships" xmlns:ac="http://schemas.microsoft.com/office/drawing/2013/main/command" xmlns:pc="http://schemas.microsoft.com/office/powerpoint/2013/main/command">
+  <pc:docChgLst>
+    <pc:chgData name="Daniel Chai" userId="1388bcdf19ff77c0" providerId="LiveId" clId="{68678E72-DB37-4DE3-B674-58FE131E2615}"/>
+    <pc:docChg chg="undo custSel modSld">
+      <pc:chgData name="Daniel Chai" userId="1388bcdf19ff77c0" providerId="LiveId" clId="{68678E72-DB37-4DE3-B674-58FE131E2615}" dt="2020-02-06T05:27:23.290" v="452" actId="20577"/>
+      <pc:docMkLst>
+        <pc:docMk/>
+      </pc:docMkLst>
+      <pc:sldChg chg="modSp">
+        <pc:chgData name="Daniel Chai" userId="1388bcdf19ff77c0" providerId="LiveId" clId="{68678E72-DB37-4DE3-B674-58FE131E2615}" dt="2020-02-06T05:27:23.290" v="452" actId="20577"/>
+        <pc:sldMkLst>
+          <pc:docMk/>
+          <pc:sldMk cId="379911579" sldId="257"/>
+        </pc:sldMkLst>
+        <pc:spChg chg="mod">
+          <ac:chgData name="Daniel Chai" userId="1388bcdf19ff77c0" providerId="LiveId" clId="{68678E72-DB37-4DE3-B674-58FE131E2615}" dt="2020-02-06T05:27:23.290" v="452" actId="20577"/>
+          <ac:spMkLst>
+            <pc:docMk/>
+            <pc:sldMk cId="379911579" sldId="257"/>
+            <ac:spMk id="3" creationId="{E42C016C-9BEA-6347-83B2-0589C0F217AB}"/>
+          </ac:spMkLst>
+        </pc:spChg>
+      </pc:sldChg>
+    </pc:docChg>
+  </pc:docChgLst>
+</pc:chgInfo>
+</file>
+
 <file path=ppt/slideLayouts/slideLayout1.xml><?xml version="1.0" encoding="utf-8"?>
 <p:sldLayout xmlns:a="http://schemas.openxmlformats.org/drawingml/2006/main" xmlns:r="http://schemas.openxmlformats.org/officeDocument/2006/relationships" xmlns:p="http://schemas.openxmlformats.org/presentationml/2006/main" type="title" preserve="1">
   <p:cSld name="Title Slide">
@@ -351,7 +380,7 @@
           <a:p>
             <a:fld id="{ED291B17-9318-49DB-B28B-6E5994AE9581}" type="datetime1">
               <a:rPr lang="en-US" smtClean="0"/>
-              <a:t>2/5/20</a:t>
+              <a:t>2/5/2020</a:t>
             </a:fld>
             <a:endParaRPr lang="en-US" dirty="0"/>
           </a:p>
@@ -554,7 +583,7 @@
           <a:p>
             <a:fld id="{2CED4963-E985-44C4-B8C4-FDD613B7C2F8}" type="datetime1">
               <a:rPr lang="en-US" smtClean="0"/>
-              <a:t>2/5/20</a:t>
+              <a:t>2/5/2020</a:t>
             </a:fld>
             <a:endParaRPr lang="en-US" dirty="0"/>
           </a:p>
@@ -916,7 +945,7 @@
           <a:p>
             <a:fld id="{ED291B17-9318-49DB-B28B-6E5994AE9581}" type="datetime1">
               <a:rPr lang="en-US" smtClean="0"/>
-              <a:t>2/5/20</a:t>
+              <a:t>2/5/2020</a:t>
             </a:fld>
             <a:endParaRPr lang="en-US" dirty="0"/>
           </a:p>
@@ -1114,7 +1143,7 @@
           <a:p>
             <a:fld id="{78DD82B9-B8EE-4375-B6FF-88FA6ABB15D9}" type="datetime1">
               <a:rPr lang="en-US" smtClean="0"/>
-              <a:t>2/5/20</a:t>
+              <a:t>2/5/2020</a:t>
             </a:fld>
             <a:endParaRPr lang="en-US" dirty="0"/>
           </a:p>
@@ -1426,7 +1455,7 @@
           <a:p>
             <a:fld id="{B2497495-0637-405E-AE64-5CC7506D51F5}" type="datetime1">
               <a:rPr lang="en-US" smtClean="0"/>
-              <a:t>2/5/20</a:t>
+              <a:t>2/5/2020</a:t>
             </a:fld>
             <a:endParaRPr lang="en-US" dirty="0"/>
           </a:p>
@@ -1679,7 +1708,7 @@
           <a:p>
             <a:fld id="{7BFFD690-9426-415D-8B65-26881E07B2D4}" type="datetime1">
               <a:rPr lang="en-US" smtClean="0"/>
-              <a:t>2/5/20</a:t>
+              <a:t>2/5/2020</a:t>
             </a:fld>
             <a:endParaRPr lang="en-US" dirty="0"/>
           </a:p>
@@ -2101,7 +2130,7 @@
           <a:p>
             <a:fld id="{04C4989A-474C-40DE-95B9-011C28B71673}" type="datetime1">
               <a:rPr lang="en-US" smtClean="0"/>
-              <a:t>2/5/20</a:t>
+              <a:t>2/5/2020</a:t>
             </a:fld>
             <a:endParaRPr lang="en-US" dirty="0"/>
           </a:p>
@@ -2224,7 +2253,7 @@
           <a:p>
             <a:fld id="{5DB4ED54-5B5E-4A04-93D3-5772E3CE3818}" type="datetime1">
               <a:rPr lang="en-US" smtClean="0"/>
-              <a:t>2/5/20</a:t>
+              <a:t>2/5/2020</a:t>
             </a:fld>
             <a:endParaRPr lang="en-US" dirty="0"/>
           </a:p>
@@ -2319,7 +2348,7 @@
           <a:p>
             <a:fld id="{4EDE50D6-574B-40AF-946F-D52A04ADE379}" type="datetime1">
               <a:rPr lang="en-US" smtClean="0"/>
-              <a:t>2/5/20</a:t>
+              <a:t>2/5/2020</a:t>
             </a:fld>
             <a:endParaRPr lang="en-US" dirty="0"/>
           </a:p>
@@ -2696,7 +2725,7 @@
           <a:p>
             <a:fld id="{D82884F1-FFEA-405F-9602-3DCA865EDA4E}" type="datetime1">
               <a:rPr lang="en-US" smtClean="0"/>
-              <a:t>2/5/20</a:t>
+              <a:t>2/5/2020</a:t>
             </a:fld>
             <a:endParaRPr lang="en-US" dirty="0"/>
           </a:p>
@@ -2989,7 +3018,7 @@
           <a:p>
             <a:fld id="{7E18DB4A-8810-4A10-AD5C-D5E2C667F5B3}" type="datetime1">
               <a:rPr lang="en-US" smtClean="0"/>
-              <a:t>2/5/20</a:t>
+              <a:t>2/5/2020</a:t>
             </a:fld>
             <a:endParaRPr lang="en-US" dirty="0"/>
           </a:p>
@@ -3204,7 +3233,7 @@
           <a:p>
             <a:fld id="{ED291B17-9318-49DB-B28B-6E5994AE9581}" type="datetime1">
               <a:rPr lang="en-US" smtClean="0"/>
-              <a:t>2/5/20</a:t>
+              <a:t>2/5/2020</a:t>
             </a:fld>
             <a:endParaRPr lang="en-US" dirty="0"/>
           </a:p>
@@ -4206,54 +4235,59 @@
         <p:spPr/>
         <p:txBody>
           <a:bodyPr>
-            <a:normAutofit fontScale="92500"/>
+            <a:normAutofit/>
           </a:bodyPr>
           <a:lstStyle/>
           <a:p>
             <a:r>
-              <a:rPr lang="en-US"/>
-              <a:t>Description </a:t>
-            </a:r>
-            <a:r>
               <a:rPr lang="en-US" dirty="0"/>
-              <a:t>of the project: Apply unsupervised ML tools to existing weather and solar energy database to find the correlation of weather and solar energy generation and use this correlation to precisely predict the solar energy generation. Construct a GUI that allows for searching the specific zip code and get the predicted energy. </a:t>
+              <a:t>Description of the project: Apply supervised ML tools to historic weather and solar energy databases to find the correlation of weather and solar energy generation. This correlation is used to precisely predict the solar energy generation. Construct a GUI that allows for searching the specific zip code and get real-time solar cell generation. </a:t>
             </a:r>
           </a:p>
           <a:p>
             <a:r>
               <a:rPr lang="en-US" dirty="0"/>
-              <a:t>Potential users: homeowner, local industries employers, local government. </a:t>
+              <a:t>Potential users: Homeowners, local industries employers, local government. </a:t>
             </a:r>
           </a:p>
           <a:p>
             <a:r>
               <a:rPr lang="en-US" dirty="0"/>
-              <a:t>Plan of the project:</a:t>
-            </a:r>
-          </a:p>
-          <a:p>
+              <a:t>Project Outline</a:t>
+            </a:r>
+          </a:p>
+          <a:p>
+            <a:pPr lvl="1"/>
             <a:r>
               <a:rPr lang="en-US" dirty="0"/>
-              <a:t>Phase 1: Identify database about Texas weather database from 2017-2019; (wind, water geothermal, biomass, bio waste ) and corresponding location and solar energy generation database; </a:t>
-            </a:r>
-          </a:p>
-          <a:p>
+              <a:t>Phase 1: Study Texas’ weather and solar energy generation database</a:t>
+            </a:r>
+          </a:p>
+          <a:p>
+            <a:pPr lvl="1"/>
             <a:r>
               <a:rPr lang="en-US" dirty="0"/>
-              <a:t>Phase 2: Identify 2 - 3 different ML methods can be applied to our database </a:t>
-            </a:r>
-          </a:p>
-          <a:p>
+              <a:t>Phase 2: Identify 2 - 3 different ML methods that can be applied</a:t>
+            </a:r>
+          </a:p>
+          <a:p>
+            <a:pPr lvl="1"/>
             <a:r>
               <a:rPr lang="en-US" dirty="0"/>
-              <a:t>Phase 3: Compare different ML methods; combine these ML methods and uploading our data in AWS</a:t>
-            </a:r>
-          </a:p>
-          <a:p>
+              <a:t>Phase 3: Train the ML models and upload result data to AWS</a:t>
+            </a:r>
+          </a:p>
+          <a:p>
+            <a:pPr lvl="1"/>
             <a:r>
               <a:rPr lang="en-US" dirty="0"/>
-              <a:t>Phase 4: Modify the prediction by real-time data and construct a python based graphical user interface.</a:t>
-            </a:r>
+              <a:t>Phase 4: Create GUI for users to obtain real-time predictions of </a:t>
+            </a:r>
+            <a:r>
+              <a:rPr lang="en-US"/>
+              <a:t>energy generation. </a:t>
+            </a:r>
+            <a:endParaRPr lang="en-US" dirty="0"/>
           </a:p>
         </p:txBody>
       </p:sp>
